--- a/Описание проекта/Презентация.pptx
+++ b/Описание проекта/Презентация.pptx
@@ -3995,7 +3995,7 @@
         </p:spPr>
         <p:txBody>
           <a:bodyPr anchor="b">
-            <a:normAutofit lnSpcReduction="10000"/>
+            <a:normAutofit fontScale="92500"/>
           </a:bodyPr>
           <a:lstStyle/>
           <a:p>
@@ -4018,7 +4018,23 @@
                   <a:srgbClr val="FFFFFF"/>
                 </a:solidFill>
               </a:rPr>
-              <a:t>Баргуев Виктор, Мозжнов Семён, </a:t>
+              <a:t>Баргуев Виктор, </a:t>
+            </a:r>
+            <a:r>
+              <a:rPr lang="ru-RU" sz="2000" dirty="0" err="1">
+                <a:solidFill>
+                  <a:srgbClr val="FFFFFF"/>
+                </a:solidFill>
+              </a:rPr>
+              <a:t>Мозажнов</a:t>
+            </a:r>
+            <a:r>
+              <a:rPr lang="ru-RU" sz="2000" dirty="0">
+                <a:solidFill>
+                  <a:srgbClr val="FFFFFF"/>
+                </a:solidFill>
+              </a:rPr>
+              <a:t> Семён, </a:t>
             </a:r>
             <a:endParaRPr lang="en-US" sz="2000" dirty="0">
               <a:solidFill>

--- a/Описание проекта/Презентация.pptx
+++ b/Описание проекта/Презентация.pptx
@@ -202,7 +202,7 @@
           <a:p>
             <a:fld id="{E638F393-FB0E-4698-A37D-3E1B918B9570}" type="datetimeFigureOut">
               <a:rPr lang="ru-RU" smtClean="0"/>
-              <a:t>26.03.2025</a:t>
+              <a:t>27.03.2025</a:t>
             </a:fld>
             <a:endParaRPr lang="ru-RU"/>
           </a:p>
@@ -784,7 +784,7 @@
           <a:p>
             <a:fld id="{E7F6A1D9-D323-4F4E-8655-25E2D32CE742}" type="datetime1">
               <a:rPr lang="en-US" smtClean="0"/>
-              <a:t>3/26/2025</a:t>
+              <a:t>3/27/2025</a:t>
             </a:fld>
             <a:endParaRPr lang="en-US"/>
           </a:p>
@@ -984,7 +984,7 @@
           <a:p>
             <a:fld id="{E7F6A1D9-D323-4F4E-8655-25E2D32CE742}" type="datetime1">
               <a:rPr lang="en-US" smtClean="0"/>
-              <a:t>3/26/2025</a:t>
+              <a:t>3/27/2025</a:t>
             </a:fld>
             <a:endParaRPr lang="en-US"/>
           </a:p>
@@ -1194,7 +1194,7 @@
           <a:p>
             <a:fld id="{E7F6A1D9-D323-4F4E-8655-25E2D32CE742}" type="datetime1">
               <a:rPr lang="en-US" smtClean="0"/>
-              <a:t>3/26/2025</a:t>
+              <a:t>3/27/2025</a:t>
             </a:fld>
             <a:endParaRPr lang="en-US"/>
           </a:p>
@@ -1394,7 +1394,7 @@
           <a:p>
             <a:fld id="{E7F6A1D9-D323-4F4E-8655-25E2D32CE742}" type="datetime1">
               <a:rPr lang="en-US" smtClean="0"/>
-              <a:t>3/26/2025</a:t>
+              <a:t>3/27/2025</a:t>
             </a:fld>
             <a:endParaRPr lang="en-US"/>
           </a:p>
@@ -1671,7 +1671,7 @@
           <a:p>
             <a:fld id="{E7F6A1D9-D323-4F4E-8655-25E2D32CE742}" type="datetime1">
               <a:rPr lang="en-US" smtClean="0"/>
-              <a:t>3/26/2025</a:t>
+              <a:t>3/27/2025</a:t>
             </a:fld>
             <a:endParaRPr lang="en-US"/>
           </a:p>
@@ -1938,7 +1938,7 @@
           <a:p>
             <a:fld id="{E7F6A1D9-D323-4F4E-8655-25E2D32CE742}" type="datetime1">
               <a:rPr lang="en-US" smtClean="0"/>
-              <a:t>3/26/2025</a:t>
+              <a:t>3/27/2025</a:t>
             </a:fld>
             <a:endParaRPr lang="en-US"/>
           </a:p>
@@ -2352,7 +2352,7 @@
           <a:p>
             <a:fld id="{E7F6A1D9-D323-4F4E-8655-25E2D32CE742}" type="datetime1">
               <a:rPr lang="en-US" smtClean="0"/>
-              <a:t>3/26/2025</a:t>
+              <a:t>3/27/2025</a:t>
             </a:fld>
             <a:endParaRPr lang="en-US"/>
           </a:p>
@@ -2495,7 +2495,7 @@
           <a:p>
             <a:fld id="{E7F6A1D9-D323-4F4E-8655-25E2D32CE742}" type="datetime1">
               <a:rPr lang="en-US" smtClean="0"/>
-              <a:t>3/26/2025</a:t>
+              <a:t>3/27/2025</a:t>
             </a:fld>
             <a:endParaRPr lang="en-US"/>
           </a:p>
@@ -2610,7 +2610,7 @@
           <a:p>
             <a:fld id="{E7F6A1D9-D323-4F4E-8655-25E2D32CE742}" type="datetime1">
               <a:rPr lang="en-US" smtClean="0"/>
-              <a:t>3/26/2025</a:t>
+              <a:t>3/27/2025</a:t>
             </a:fld>
             <a:endParaRPr lang="en-US"/>
           </a:p>
@@ -2923,7 +2923,7 @@
           <a:p>
             <a:fld id="{E7F6A1D9-D323-4F4E-8655-25E2D32CE742}" type="datetime1">
               <a:rPr lang="en-US" smtClean="0"/>
-              <a:t>3/26/2025</a:t>
+              <a:t>3/27/2025</a:t>
             </a:fld>
             <a:endParaRPr lang="en-US"/>
           </a:p>
@@ -3213,7 +3213,7 @@
           <a:p>
             <a:fld id="{E7F6A1D9-D323-4F4E-8655-25E2D32CE742}" type="datetime1">
               <a:rPr lang="en-US" smtClean="0"/>
-              <a:t>3/26/2025</a:t>
+              <a:t>3/27/2025</a:t>
             </a:fld>
             <a:endParaRPr lang="en-US"/>
           </a:p>
@@ -3456,7 +3456,7 @@
           <a:p>
             <a:fld id="{E7F6A1D9-D323-4F4E-8655-25E2D32CE742}" type="datetime1">
               <a:rPr lang="en-US" smtClean="0"/>
-              <a:t>3/26/2025</a:t>
+              <a:t>3/27/2025</a:t>
             </a:fld>
             <a:endParaRPr lang="en-US"/>
           </a:p>
@@ -4026,7 +4026,7 @@
                   <a:srgbClr val="FFFFFF"/>
                 </a:solidFill>
               </a:rPr>
-              <a:t>Мозажнов</a:t>
+              <a:t>Мозжанов</a:t>
             </a:r>
             <a:r>
               <a:rPr lang="ru-RU" sz="2000" dirty="0">
